--- a/Lecture_30.pptx
+++ b/Lecture_30.pptx
@@ -265,7 +265,7 @@
           <a:p>
             <a:fld id="{5F329AA8-CC8A-4C59-8D11-5522E401E03E}" type="datetimeFigureOut">
               <a:rPr lang="en-US" smtClean="0"/>
-              <a:t>11/19/2019</a:t>
+              <a:t>11/20/2019</a:t>
             </a:fld>
             <a:endParaRPr lang="en-US"/>
           </a:p>
@@ -463,7 +463,7 @@
           <a:p>
             <a:fld id="{5F329AA8-CC8A-4C59-8D11-5522E401E03E}" type="datetimeFigureOut">
               <a:rPr lang="en-US" smtClean="0"/>
-              <a:t>11/19/2019</a:t>
+              <a:t>11/20/2019</a:t>
             </a:fld>
             <a:endParaRPr lang="en-US"/>
           </a:p>
@@ -671,7 +671,7 @@
           <a:p>
             <a:fld id="{5F329AA8-CC8A-4C59-8D11-5522E401E03E}" type="datetimeFigureOut">
               <a:rPr lang="en-US" smtClean="0"/>
-              <a:t>11/19/2019</a:t>
+              <a:t>11/20/2019</a:t>
             </a:fld>
             <a:endParaRPr lang="en-US"/>
           </a:p>
@@ -869,7 +869,7 @@
           <a:p>
             <a:fld id="{5F329AA8-CC8A-4C59-8D11-5522E401E03E}" type="datetimeFigureOut">
               <a:rPr lang="en-US" smtClean="0"/>
-              <a:t>11/19/2019</a:t>
+              <a:t>11/20/2019</a:t>
             </a:fld>
             <a:endParaRPr lang="en-US"/>
           </a:p>
@@ -1144,7 +1144,7 @@
           <a:p>
             <a:fld id="{5F329AA8-CC8A-4C59-8D11-5522E401E03E}" type="datetimeFigureOut">
               <a:rPr lang="en-US" smtClean="0"/>
-              <a:t>11/19/2019</a:t>
+              <a:t>11/20/2019</a:t>
             </a:fld>
             <a:endParaRPr lang="en-US"/>
           </a:p>
@@ -1409,7 +1409,7 @@
           <a:p>
             <a:fld id="{5F329AA8-CC8A-4C59-8D11-5522E401E03E}" type="datetimeFigureOut">
               <a:rPr lang="en-US" smtClean="0"/>
-              <a:t>11/19/2019</a:t>
+              <a:t>11/20/2019</a:t>
             </a:fld>
             <a:endParaRPr lang="en-US"/>
           </a:p>
@@ -1821,7 +1821,7 @@
           <a:p>
             <a:fld id="{5F329AA8-CC8A-4C59-8D11-5522E401E03E}" type="datetimeFigureOut">
               <a:rPr lang="en-US" smtClean="0"/>
-              <a:t>11/19/2019</a:t>
+              <a:t>11/20/2019</a:t>
             </a:fld>
             <a:endParaRPr lang="en-US"/>
           </a:p>
@@ -1962,7 +1962,7 @@
           <a:p>
             <a:fld id="{5F329AA8-CC8A-4C59-8D11-5522E401E03E}" type="datetimeFigureOut">
               <a:rPr lang="en-US" smtClean="0"/>
-              <a:t>11/19/2019</a:t>
+              <a:t>11/20/2019</a:t>
             </a:fld>
             <a:endParaRPr lang="en-US"/>
           </a:p>
@@ -2075,7 +2075,7 @@
           <a:p>
             <a:fld id="{5F329AA8-CC8A-4C59-8D11-5522E401E03E}" type="datetimeFigureOut">
               <a:rPr lang="en-US" smtClean="0"/>
-              <a:t>11/19/2019</a:t>
+              <a:t>11/20/2019</a:t>
             </a:fld>
             <a:endParaRPr lang="en-US"/>
           </a:p>
@@ -2386,7 +2386,7 @@
           <a:p>
             <a:fld id="{5F329AA8-CC8A-4C59-8D11-5522E401E03E}" type="datetimeFigureOut">
               <a:rPr lang="en-US" smtClean="0"/>
-              <a:t>11/19/2019</a:t>
+              <a:t>11/20/2019</a:t>
             </a:fld>
             <a:endParaRPr lang="en-US"/>
           </a:p>
@@ -2674,7 +2674,7 @@
           <a:p>
             <a:fld id="{5F329AA8-CC8A-4C59-8D11-5522E401E03E}" type="datetimeFigureOut">
               <a:rPr lang="en-US" smtClean="0"/>
-              <a:t>11/19/2019</a:t>
+              <a:t>11/20/2019</a:t>
             </a:fld>
             <a:endParaRPr lang="en-US"/>
           </a:p>
@@ -2915,7 +2915,7 @@
           <a:p>
             <a:fld id="{5F329AA8-CC8A-4C59-8D11-5522E401E03E}" type="datetimeFigureOut">
               <a:rPr lang="en-US" smtClean="0"/>
-              <a:t>11/19/2019</a:t>
+              <a:t>11/20/2019</a:t>
             </a:fld>
             <a:endParaRPr lang="en-US"/>
           </a:p>
@@ -3469,7 +3469,12 @@
             <p:ph idx="1"/>
           </p:nvPr>
         </p:nvSpPr>
-        <p:spPr/>
+        <p:spPr>
+          <a:xfrm>
+            <a:off x="838199" y="1825624"/>
+            <a:ext cx="10884613" cy="5032375"/>
+          </a:xfrm>
+        </p:spPr>
         <p:txBody>
           <a:bodyPr/>
           <a:lstStyle/>
@@ -3498,7 +3503,50 @@
             </a:r>
           </a:p>
           <a:p>
-            <a:endParaRPr lang="en-US" dirty="0"/>
+            <a:r>
+              <a:rPr lang="en-US" dirty="0"/>
+              <a:t>Remember: 3 things to submit for final project:</a:t>
+            </a:r>
+          </a:p>
+          <a:p>
+            <a:r>
+              <a:rPr lang="en-US" dirty="0"/>
+              <a:t>1) .txt file with 5000 rows, 2 columns – [id, p(</a:t>
+            </a:r>
+            <a:r>
+              <a:rPr lang="en-US" dirty="0" err="1"/>
+              <a:t>isDefault</a:t>
+            </a:r>
+            <a:r>
+              <a:rPr lang="en-US" dirty="0"/>
+              <a:t>=1)]</a:t>
+            </a:r>
+          </a:p>
+          <a:p>
+            <a:r>
+              <a:rPr lang="en-US" dirty="0"/>
+              <a:t>2) .</a:t>
+            </a:r>
+            <a:r>
+              <a:rPr lang="en-US" dirty="0" err="1"/>
+              <a:t>py</a:t>
+            </a:r>
+            <a:r>
+              <a:rPr lang="en-US" dirty="0"/>
+              <a:t> file(s) with code</a:t>
+            </a:r>
+          </a:p>
+          <a:p>
+            <a:r>
+              <a:rPr lang="en-US" dirty="0"/>
+              <a:t>3) .pdf for part b (explain your choice of algorithm and attributes, etc.)</a:t>
+            </a:r>
+          </a:p>
+          <a:p>
+            <a:r>
+              <a:rPr lang="en-US" dirty="0"/>
+              <a:t>Will update datasets tonight (+500 labels, more unlabeled instances)</a:t>
+            </a:r>
           </a:p>
           <a:p>
             <a:pPr marL="0" indent="0">
@@ -3722,6 +3770,251 @@
                       </p:childTnLst>
                     </p:cTn>
                   </p:par>
+                  <p:par>
+                    <p:cTn id="19" fill="hold">
+                      <p:stCondLst>
+                        <p:cond delay="indefinite"/>
+                      </p:stCondLst>
+                      <p:childTnLst>
+                        <p:par>
+                          <p:cTn id="20" fill="hold">
+                            <p:stCondLst>
+                              <p:cond delay="0"/>
+                            </p:stCondLst>
+                            <p:childTnLst>
+                              <p:par>
+                                <p:cTn id="21" presetID="1" presetClass="entr" presetSubtype="0" fill="hold" grpId="0" nodeType="clickEffect">
+                                  <p:stCondLst>
+                                    <p:cond delay="0"/>
+                                  </p:stCondLst>
+                                  <p:childTnLst>
+                                    <p:set>
+                                      <p:cBhvr>
+                                        <p:cTn id="22" dur="1" fill="hold">
+                                          <p:stCondLst>
+                                            <p:cond delay="0"/>
+                                          </p:stCondLst>
+                                        </p:cTn>
+                                        <p:tgtEl>
+                                          <p:spTgt spid="3">
+                                            <p:txEl>
+                                              <p:pRg st="4" end="4"/>
+                                            </p:txEl>
+                                          </p:spTgt>
+                                        </p:tgtEl>
+                                        <p:attrNameLst>
+                                          <p:attrName>style.visibility</p:attrName>
+                                        </p:attrNameLst>
+                                      </p:cBhvr>
+                                      <p:to>
+                                        <p:strVal val="visible"/>
+                                      </p:to>
+                                    </p:set>
+                                  </p:childTnLst>
+                                </p:cTn>
+                              </p:par>
+                            </p:childTnLst>
+                          </p:cTn>
+                        </p:par>
+                      </p:childTnLst>
+                    </p:cTn>
+                  </p:par>
+                  <p:par>
+                    <p:cTn id="23" fill="hold">
+                      <p:stCondLst>
+                        <p:cond delay="indefinite"/>
+                      </p:stCondLst>
+                      <p:childTnLst>
+                        <p:par>
+                          <p:cTn id="24" fill="hold">
+                            <p:stCondLst>
+                              <p:cond delay="0"/>
+                            </p:stCondLst>
+                            <p:childTnLst>
+                              <p:par>
+                                <p:cTn id="25" presetID="1" presetClass="entr" presetSubtype="0" fill="hold" grpId="0" nodeType="clickEffect">
+                                  <p:stCondLst>
+                                    <p:cond delay="0"/>
+                                  </p:stCondLst>
+                                  <p:childTnLst>
+                                    <p:set>
+                                      <p:cBhvr>
+                                        <p:cTn id="26" dur="1" fill="hold">
+                                          <p:stCondLst>
+                                            <p:cond delay="0"/>
+                                          </p:stCondLst>
+                                        </p:cTn>
+                                        <p:tgtEl>
+                                          <p:spTgt spid="3">
+                                            <p:txEl>
+                                              <p:pRg st="5" end="5"/>
+                                            </p:txEl>
+                                          </p:spTgt>
+                                        </p:tgtEl>
+                                        <p:attrNameLst>
+                                          <p:attrName>style.visibility</p:attrName>
+                                        </p:attrNameLst>
+                                      </p:cBhvr>
+                                      <p:to>
+                                        <p:strVal val="visible"/>
+                                      </p:to>
+                                    </p:set>
+                                  </p:childTnLst>
+                                </p:cTn>
+                              </p:par>
+                            </p:childTnLst>
+                          </p:cTn>
+                        </p:par>
+                      </p:childTnLst>
+                    </p:cTn>
+                  </p:par>
+                  <p:par>
+                    <p:cTn id="27" fill="hold">
+                      <p:stCondLst>
+                        <p:cond delay="indefinite"/>
+                      </p:stCondLst>
+                      <p:childTnLst>
+                        <p:par>
+                          <p:cTn id="28" fill="hold">
+                            <p:stCondLst>
+                              <p:cond delay="0"/>
+                            </p:stCondLst>
+                            <p:childTnLst>
+                              <p:par>
+                                <p:cTn id="29" presetID="1" presetClass="entr" presetSubtype="0" fill="hold" grpId="0" nodeType="clickEffect">
+                                  <p:stCondLst>
+                                    <p:cond delay="0"/>
+                                  </p:stCondLst>
+                                  <p:childTnLst>
+                                    <p:set>
+                                      <p:cBhvr>
+                                        <p:cTn id="30" dur="1" fill="hold">
+                                          <p:stCondLst>
+                                            <p:cond delay="0"/>
+                                          </p:stCondLst>
+                                        </p:cTn>
+                                        <p:tgtEl>
+                                          <p:spTgt spid="3">
+                                            <p:txEl>
+                                              <p:pRg st="6" end="6"/>
+                                            </p:txEl>
+                                          </p:spTgt>
+                                        </p:tgtEl>
+                                        <p:attrNameLst>
+                                          <p:attrName>style.visibility</p:attrName>
+                                        </p:attrNameLst>
+                                      </p:cBhvr>
+                                      <p:to>
+                                        <p:strVal val="visible"/>
+                                      </p:to>
+                                    </p:set>
+                                  </p:childTnLst>
+                                </p:cTn>
+                              </p:par>
+                            </p:childTnLst>
+                          </p:cTn>
+                        </p:par>
+                      </p:childTnLst>
+                    </p:cTn>
+                  </p:par>
+                  <p:par>
+                    <p:cTn id="31" fill="hold">
+                      <p:stCondLst>
+                        <p:cond delay="indefinite"/>
+                      </p:stCondLst>
+                      <p:childTnLst>
+                        <p:par>
+                          <p:cTn id="32" fill="hold">
+                            <p:stCondLst>
+                              <p:cond delay="0"/>
+                            </p:stCondLst>
+                            <p:childTnLst>
+                              <p:par>
+                                <p:cTn id="33" presetID="1" presetClass="entr" presetSubtype="0" fill="hold" grpId="0" nodeType="clickEffect">
+                                  <p:stCondLst>
+                                    <p:cond delay="0"/>
+                                  </p:stCondLst>
+                                  <p:childTnLst>
+                                    <p:set>
+                                      <p:cBhvr>
+                                        <p:cTn id="34" dur="1" fill="hold">
+                                          <p:stCondLst>
+                                            <p:cond delay="0"/>
+                                          </p:stCondLst>
+                                        </p:cTn>
+                                        <p:tgtEl>
+                                          <p:spTgt spid="3">
+                                            <p:txEl>
+                                              <p:pRg st="7" end="7"/>
+                                            </p:txEl>
+                                          </p:spTgt>
+                                        </p:tgtEl>
+                                        <p:attrNameLst>
+                                          <p:attrName>style.visibility</p:attrName>
+                                        </p:attrNameLst>
+                                      </p:cBhvr>
+                                      <p:to>
+                                        <p:strVal val="visible"/>
+                                      </p:to>
+                                    </p:set>
+                                  </p:childTnLst>
+                                </p:cTn>
+                              </p:par>
+                            </p:childTnLst>
+                          </p:cTn>
+                        </p:par>
+                      </p:childTnLst>
+                    </p:cTn>
+                  </p:par>
+                  <p:par>
+                    <p:cTn id="35" fill="hold">
+                      <p:stCondLst>
+                        <p:cond delay="indefinite"/>
+                      </p:stCondLst>
+                      <p:childTnLst>
+                        <p:par>
+                          <p:cTn id="36" fill="hold">
+                            <p:stCondLst>
+                              <p:cond delay="0"/>
+                            </p:stCondLst>
+                            <p:childTnLst>
+                              <p:par>
+                                <p:cTn id="37" presetID="1" presetClass="entr" presetSubtype="0" fill="hold" grpId="0" nodeType="clickEffect">
+                                  <p:stCondLst>
+                                    <p:cond delay="0"/>
+                                  </p:stCondLst>
+                                  <p:childTnLst>
+                                    <p:set>
+                                      <p:cBhvr>
+                                        <p:cTn id="38" dur="1" fill="hold">
+                                          <p:stCondLst>
+                                            <p:cond delay="0"/>
+                                          </p:stCondLst>
+                                        </p:cTn>
+                                        <p:tgtEl>
+                                          <p:spTgt spid="3">
+                                            <p:txEl>
+                                              <p:pRg st="8" end="8"/>
+                                            </p:txEl>
+                                          </p:spTgt>
+                                        </p:tgtEl>
+                                        <p:attrNameLst>
+                                          <p:attrName>style.visibility</p:attrName>
+                                        </p:attrNameLst>
+                                      </p:cBhvr>
+                                      <p:to>
+                                        <p:strVal val="visible"/>
+                                      </p:to>
+                                    </p:set>
+                                  </p:childTnLst>
+                                </p:cTn>
+                              </p:par>
+                            </p:childTnLst>
+                          </p:cTn>
+                        </p:par>
+                      </p:childTnLst>
+                    </p:cTn>
+                  </p:par>
                 </p:childTnLst>
               </p:cTn>
               <p:prevCondLst>
@@ -3795,8 +4088,8 @@
           </a:p>
         </p:txBody>
       </p:sp>
-      <mc:AlternateContent xmlns:mc="http://schemas.openxmlformats.org/markup-compatibility/2006">
-        <mc:Choice xmlns:a14="http://schemas.microsoft.com/office/drawing/2010/main" Requires="a14">
+      <mc:AlternateContent xmlns:mc="http://schemas.openxmlformats.org/markup-compatibility/2006" xmlns:a14="http://schemas.microsoft.com/office/drawing/2010/main">
+        <mc:Choice Requires="a14">
           <p:sp>
             <p:nvSpPr>
               <p:cNvPr id="3" name="Content Placeholder 2">
@@ -3941,7 +4234,7 @@
             </p:txBody>
           </p:sp>
         </mc:Choice>
-        <mc:Fallback>
+        <mc:Fallback xmlns="">
           <p:sp>
             <p:nvSpPr>
               <p:cNvPr id="3" name="Content Placeholder 2">
